--- a/ew495poster/credle-ew495-2019.pptx
+++ b/ew495poster/credle-ew495-2019.pptx
@@ -3909,7 +3909,7 @@
                 <a:latin typeface="Arial" panose="020B0604020202020204" pitchFamily="34" charset="0"/>
                 <a:cs typeface="Arial" panose="020B0604020202020204" pitchFamily="34" charset="0"/>
               </a:rPr>
-              <a:t> platform was selected for its price range, its built-in camera, and its pre-programmed flight controls. The low level flight controller is advantageous to maintain stable flight.</a:t>
+              <a:t> platform was selected for its price range, its built-in camera, and its pre-programmed flight controller. The low level flight controller is advantageous to maintain stable flight.</a:t>
             </a:r>
             <a:endParaRPr lang="en-US" sz="2800" dirty="0">
               <a:solidFill>
@@ -3960,7 +3960,7 @@
                 <a:latin typeface="Arial" panose="020B0604020202020204" pitchFamily="34" charset="0"/>
                 <a:cs typeface="Arial" panose="020B0604020202020204" pitchFamily="34" charset="0"/>
               </a:rPr>
-              <a:t>  A large race gate was selected to allow easy gate recognition and ample space for drone navigation. This is the standard size for drone race gates.</a:t>
+              <a:t>  A large, gold race gate was selected to allow easy gate recognition and ample space for drone navigation. This is the standard size for drone race gates.</a:t>
             </a:r>
           </a:p>
           <a:p>
@@ -4117,7 +4117,7 @@
                 <a:latin typeface="Arial" panose="020B0604020202020204" pitchFamily="34" charset="0"/>
                 <a:cs typeface="Arial" panose="020B0604020202020204" pitchFamily="34" charset="0"/>
               </a:rPr>
-              <a:t>Integration of Steps 2 through 4</a:t>
+              <a:t>Integration of previous steps</a:t>
             </a:r>
             <a:endParaRPr lang="en-US" sz="2800" dirty="0">
               <a:solidFill>
@@ -4146,7 +4146,7 @@
         <p:spPr bwMode="auto">
           <a:xfrm>
             <a:off x="628650" y="4379220"/>
-            <a:ext cx="8595360" cy="5742224"/>
+            <a:ext cx="8595360" cy="5526780"/>
           </a:xfrm>
           <a:prstGeom prst="rect">
             <a:avLst/>
@@ -4298,7 +4298,7 @@
                 <a:latin typeface="Arial" panose="020B0604020202020204" pitchFamily="34" charset="0"/>
                 <a:cs typeface="Arial" panose="020B0604020202020204" pitchFamily="34" charset="0"/>
               </a:rPr>
-              <a:t>Autonomous racing drones are not only beneficial to the drone racing sport, but also in autonomous vehicles and in </a:t>
+              <a:t>Autonomous racing drones are not only beneficial to the drone racing sport, but also </a:t>
             </a:r>
             <a:r>
               <a:rPr lang="en-US" sz="2800" dirty="0" smtClean="0">
@@ -4308,7 +4308,7 @@
                 <a:latin typeface="Arial" panose="020B0604020202020204" pitchFamily="34" charset="0"/>
                 <a:cs typeface="Arial" panose="020B0604020202020204" pitchFamily="34" charset="0"/>
               </a:rPr>
-              <a:t>military drones </a:t>
+              <a:t>to </a:t>
             </a:r>
             <a:r>
               <a:rPr lang="en-US" sz="2800" dirty="0">
@@ -4318,6 +4318,26 @@
                 <a:latin typeface="Arial" panose="020B0604020202020204" pitchFamily="34" charset="0"/>
                 <a:cs typeface="Arial" panose="020B0604020202020204" pitchFamily="34" charset="0"/>
               </a:rPr>
+              <a:t>autonomous vehicles and </a:t>
+            </a:r>
+            <a:r>
+              <a:rPr lang="en-US" sz="2800" dirty="0" smtClean="0">
+                <a:solidFill>
+                  <a:srgbClr val="005493"/>
+                </a:solidFill>
+                <a:latin typeface="Arial" panose="020B0604020202020204" pitchFamily="34" charset="0"/>
+                <a:cs typeface="Arial" panose="020B0604020202020204" pitchFamily="34" charset="0"/>
+              </a:rPr>
+              <a:t>to military drones </a:t>
+            </a:r>
+            <a:r>
+              <a:rPr lang="en-US" sz="2800" dirty="0">
+                <a:solidFill>
+                  <a:srgbClr val="005493"/>
+                </a:solidFill>
+                <a:latin typeface="Arial" panose="020B0604020202020204" pitchFamily="34" charset="0"/>
+                <a:cs typeface="Arial" panose="020B0604020202020204" pitchFamily="34" charset="0"/>
+              </a:rPr>
               <a:t>flying through windows, chimneys, etc. We will create a process for a drone to modify its given flight path based on </a:t>
             </a:r>
             <a:r>
@@ -4338,7 +4358,7 @@
                 <a:latin typeface="Arial" panose="020B0604020202020204" pitchFamily="34" charset="0"/>
                 <a:cs typeface="Arial" panose="020B0604020202020204" pitchFamily="34" charset="0"/>
               </a:rPr>
-              <a:t>recognition of the gate in order to fly through a</a:t>
+              <a:t>recognition of a</a:t>
             </a:r>
             <a:r>
               <a:rPr lang="en-US" sz="2800" dirty="0" smtClean="0">
@@ -4349,6 +4369,26 @@
                 <a:cs typeface="Arial" panose="020B0604020202020204" pitchFamily="34" charset="0"/>
               </a:rPr>
               <a:t> </a:t>
+            </a:r>
+            <a:r>
+              <a:rPr lang="en-US" sz="2800" dirty="0">
+                <a:solidFill>
+                  <a:srgbClr val="005493"/>
+                </a:solidFill>
+                <a:latin typeface="Arial" panose="020B0604020202020204" pitchFamily="34" charset="0"/>
+                <a:cs typeface="Arial" panose="020B0604020202020204" pitchFamily="34" charset="0"/>
+              </a:rPr>
+              <a:t>gate in order to fly through </a:t>
+            </a:r>
+            <a:r>
+              <a:rPr lang="en-US" sz="2800" dirty="0" smtClean="0">
+                <a:solidFill>
+                  <a:srgbClr val="005493"/>
+                </a:solidFill>
+                <a:latin typeface="Arial" panose="020B0604020202020204" pitchFamily="34" charset="0"/>
+                <a:cs typeface="Arial" panose="020B0604020202020204" pitchFamily="34" charset="0"/>
+              </a:rPr>
+              <a:t>the </a:t>
             </a:r>
             <a:r>
               <a:rPr lang="en-US" sz="2800" dirty="0">
@@ -4447,7 +4487,7 @@
         <p:spPr bwMode="auto">
           <a:xfrm>
             <a:off x="18608040" y="4332347"/>
-            <a:ext cx="8595360" cy="5465187"/>
+            <a:ext cx="8595360" cy="5896074"/>
           </a:xfrm>
           <a:prstGeom prst="rect">
             <a:avLst/>
@@ -4680,7 +4720,7 @@
                 <a:latin typeface="Arial" panose="020B0604020202020204" pitchFamily="34" charset="0"/>
                 <a:cs typeface="Arial" panose="020B0604020202020204" pitchFamily="34" charset="0"/>
               </a:rPr>
-              <a:t> requires an initial command message of “command” to finalize connection to the computer terminal. The drone can then take commands to take off, land, or perform translational/ rotational movements. </a:t>
+              <a:t> requires an initial command message of “command” to finalize connection to the computer terminal. The drone can then receive pre-programmed text commands to take off, land, or perform translational/ rotational movements. </a:t>
             </a:r>
           </a:p>
           <a:p>
@@ -4902,8 +4942,8 @@
         </p:nvSpPr>
         <p:spPr bwMode="auto">
           <a:xfrm>
-            <a:off x="612608" y="18401249"/>
-            <a:ext cx="8595360" cy="7588883"/>
+            <a:off x="548640" y="18230877"/>
+            <a:ext cx="8595360" cy="7157996"/>
           </a:xfrm>
           <a:prstGeom prst="rect">
             <a:avLst/>
@@ -5129,7 +5169,7 @@
                 <a:latin typeface="Arial" panose="020B0604020202020204" pitchFamily="34" charset="0"/>
                 <a:cs typeface="Arial" panose="020B0604020202020204" pitchFamily="34" charset="0"/>
               </a:rPr>
-              <a:t>.  Attempts will first be made in proof of concept demonstration. It will demonstrate the cohesion of race gate identification, relative location identification, and path modification to adjust the drones path through </a:t>
+              <a:t>.  Attempts will be made in proof of concept demonstration. These will demonstrate the cohesion of race gate identification, relative location identification, and path modification to adjust the drones path through </a:t>
             </a:r>
             <a:r>
               <a:rPr lang="en-US" sz="2800" dirty="0">
@@ -5139,7 +5179,7 @@
                 <a:latin typeface="Arial" panose="020B0604020202020204" pitchFamily="34" charset="0"/>
                 <a:cs typeface="Arial" panose="020B0604020202020204" pitchFamily="34" charset="0"/>
               </a:rPr>
-              <a:t>the gate. Success of this system is based on the ability to </a:t>
+              <a:t>the gate. Success of this system is based on the </a:t>
             </a:r>
             <a:r>
               <a:rPr lang="en-US" sz="2800" dirty="0" smtClean="0">
@@ -5149,17 +5189,7 @@
                 <a:latin typeface="Arial" panose="020B0604020202020204" pitchFamily="34" charset="0"/>
                 <a:cs typeface="Arial" panose="020B0604020202020204" pitchFamily="34" charset="0"/>
               </a:rPr>
-              <a:t>autonomously correct </a:t>
-            </a:r>
-            <a:r>
-              <a:rPr lang="en-US" sz="2800" dirty="0">
-                <a:solidFill>
-                  <a:srgbClr val="005493"/>
-                </a:solidFill>
-                <a:latin typeface="Arial" panose="020B0604020202020204" pitchFamily="34" charset="0"/>
-                <a:cs typeface="Arial" panose="020B0604020202020204" pitchFamily="34" charset="0"/>
-              </a:rPr>
-              <a:t>the path and fly the drone through the center of the gate without contact.</a:t>
+              <a:t>accuracy of the adjusted path compared to the center of the gate.</a:t>
             </a:r>
             <a:endParaRPr lang="en-US" sz="2800" dirty="0" smtClean="0">
               <a:solidFill>
@@ -5320,7 +5350,7 @@
         </p:nvSpPr>
         <p:spPr bwMode="auto">
           <a:xfrm>
-            <a:off x="711055" y="15969515"/>
+            <a:off x="711055" y="16250454"/>
             <a:ext cx="8595360" cy="1648796"/>
           </a:xfrm>
           <a:prstGeom prst="rect">
@@ -5704,7 +5734,7 @@
         <p:spPr bwMode="auto">
           <a:xfrm>
             <a:off x="18631147" y="17753398"/>
-            <a:ext cx="8595360" cy="6757887"/>
+            <a:ext cx="8595360" cy="7619661"/>
           </a:xfrm>
           <a:prstGeom prst="rect">
             <a:avLst/>
@@ -5927,7 +5957,7 @@
                 <a:latin typeface="Arial" panose="020B0604020202020204" pitchFamily="34" charset="0"/>
                 <a:cs typeface="Arial" panose="020B0604020202020204" pitchFamily="34" charset="0"/>
               </a:rPr>
-              <a:t>A separate python program was also developed to recognize a race gate. The program segments video feed to isolate a specific color. The program then recognizes clusters of the color, and identifies the cluster’s size and number of edges. </a:t>
+              <a:t>A separate python program was also developed to recognize a race gate. The program segments video feed to isolate a specific color. The program then recognizes clusters of the color, and identifies the cluster’s size and number of edges. This will allow for a gate (a known shape) to be recognized and oriented in relation to the drone. </a:t>
             </a:r>
             <a:endParaRPr lang="en-US" sz="2800" dirty="0">
               <a:solidFill>
@@ -5955,7 +5985,7 @@
         </p:nvSpPr>
         <p:spPr bwMode="auto">
           <a:xfrm>
-            <a:off x="27615127" y="23081596"/>
+            <a:off x="27603573" y="22909080"/>
             <a:ext cx="8595360" cy="2479793"/>
           </a:xfrm>
           <a:prstGeom prst="rect">
@@ -6146,8 +6176,8 @@
         </p:blipFill>
         <p:spPr>
           <a:xfrm>
-            <a:off x="628651" y="10734203"/>
-            <a:ext cx="8595360" cy="5147321"/>
+            <a:off x="628651" y="10427527"/>
+            <a:ext cx="8595360" cy="5822927"/>
           </a:xfrm>
           <a:prstGeom prst="rect">
             <a:avLst/>
@@ -6659,6 +6689,16 @@
               </a:spcBef>
             </a:pPr>
             <a:r>
+              <a:rPr lang="en-US" sz="2800" dirty="0" err="1" smtClean="0">
+                <a:solidFill>
+                  <a:srgbClr val="005493"/>
+                </a:solidFill>
+                <a:latin typeface="Arial" panose="020B0604020202020204" pitchFamily="34" charset="0"/>
+                <a:cs typeface="Arial" panose="020B0604020202020204" pitchFamily="34" charset="0"/>
+              </a:rPr>
+              <a:t>Tello</a:t>
+            </a:r>
+            <a:r>
               <a:rPr lang="en-US" sz="2800" dirty="0" smtClean="0">
                 <a:solidFill>
                   <a:srgbClr val="005493"/>
@@ -6666,27 +6706,7 @@
                 <a:latin typeface="Arial" panose="020B0604020202020204" pitchFamily="34" charset="0"/>
                 <a:cs typeface="Arial" panose="020B0604020202020204" pitchFamily="34" charset="0"/>
               </a:rPr>
-              <a:t>The </a:t>
-            </a:r>
-            <a:r>
-              <a:rPr lang="en-US" sz="2800" dirty="0" err="1" smtClean="0">
-                <a:solidFill>
-                  <a:srgbClr val="005493"/>
-                </a:solidFill>
-                <a:latin typeface="Arial" panose="020B0604020202020204" pitchFamily="34" charset="0"/>
-                <a:cs typeface="Arial" panose="020B0604020202020204" pitchFamily="34" charset="0"/>
-              </a:rPr>
-              <a:t>Tello</a:t>
-            </a:r>
-            <a:r>
-              <a:rPr lang="en-US" sz="2800" dirty="0" smtClean="0">
-                <a:solidFill>
-                  <a:srgbClr val="005493"/>
-                </a:solidFill>
-                <a:latin typeface="Arial" panose="020B0604020202020204" pitchFamily="34" charset="0"/>
-                <a:cs typeface="Arial" panose="020B0604020202020204" pitchFamily="34" charset="0"/>
-              </a:rPr>
-              <a:t> flight by computer, video streaming, and gate recognition are integral pieces to autonomous drone racing. </a:t>
+              <a:t> drone flight by computer, video streaming, and gate recognition are integral pieces to autonomous drone racing. </a:t>
             </a:r>
             <a:r>
               <a:rPr lang="en-US" sz="2800" dirty="0" smtClean="0">
@@ -6949,7 +6969,7 @@
         <p:spPr bwMode="auto">
           <a:xfrm>
             <a:off x="27852402" y="14531929"/>
-            <a:ext cx="8595360" cy="1217909"/>
+            <a:ext cx="8595360" cy="1648796"/>
           </a:xfrm>
           <a:prstGeom prst="rect">
             <a:avLst/>
@@ -7107,16 +7127,6 @@
               <a:t>Figure </a:t>
             </a:r>
             <a:r>
-              <a:rPr lang="en-US" sz="2800" b="1" i="1" dirty="0">
-                <a:solidFill>
-                  <a:srgbClr val="005493"/>
-                </a:solidFill>
-                <a:latin typeface="Arial" panose="020B0604020202020204" pitchFamily="34" charset="0"/>
-                <a:cs typeface="Arial" panose="020B0604020202020204" pitchFamily="34" charset="0"/>
-              </a:rPr>
-              <a:t>6</a:t>
-            </a:r>
-            <a:r>
               <a:rPr lang="en-US" sz="2800" b="1" i="1" dirty="0" smtClean="0">
                 <a:solidFill>
                   <a:srgbClr val="005493"/>
@@ -7124,6 +7134,36 @@
                 <a:latin typeface="Arial" panose="020B0604020202020204" pitchFamily="34" charset="0"/>
                 <a:cs typeface="Arial" panose="020B0604020202020204" pitchFamily="34" charset="0"/>
               </a:rPr>
+              <a:t>6(</a:t>
+            </a:r>
+            <a:r>
+              <a:rPr lang="en-US" sz="2800" b="1" i="1" dirty="0" err="1" smtClean="0">
+                <a:solidFill>
+                  <a:srgbClr val="005493"/>
+                </a:solidFill>
+                <a:latin typeface="Arial" panose="020B0604020202020204" pitchFamily="34" charset="0"/>
+                <a:cs typeface="Arial" panose="020B0604020202020204" pitchFamily="34" charset="0"/>
+              </a:rPr>
+              <a:t>a,b</a:t>
+            </a:r>
+            <a:r>
+              <a:rPr lang="en-US" sz="2800" b="1" i="1" dirty="0" smtClean="0">
+                <a:solidFill>
+                  <a:srgbClr val="005493"/>
+                </a:solidFill>
+                <a:latin typeface="Arial" panose="020B0604020202020204" pitchFamily="34" charset="0"/>
+                <a:cs typeface="Arial" panose="020B0604020202020204" pitchFamily="34" charset="0"/>
+              </a:rPr>
+              <a:t>)</a:t>
+            </a:r>
+            <a:r>
+              <a:rPr lang="en-US" sz="2800" b="1" i="1" dirty="0" smtClean="0">
+                <a:solidFill>
+                  <a:srgbClr val="005493"/>
+                </a:solidFill>
+                <a:latin typeface="Arial" panose="020B0604020202020204" pitchFamily="34" charset="0"/>
+                <a:cs typeface="Arial" panose="020B0604020202020204" pitchFamily="34" charset="0"/>
+              </a:rPr>
               <a:t>: Gate recognition </a:t>
             </a:r>
             <a:r>
@@ -7134,7 +7174,7 @@
                 <a:latin typeface="Arial" panose="020B0604020202020204" pitchFamily="34" charset="0"/>
                 <a:cs typeface="Arial" panose="020B0604020202020204" pitchFamily="34" charset="0"/>
               </a:rPr>
-              <a:t>program segmenting for gate color and edge count.</a:t>
+              <a:t>program segmenting for gate color and projecting edges on gate in non-segmented image.</a:t>
             </a:r>
             <a:endParaRPr lang="en-US" sz="2800" b="1" i="1" dirty="0">
               <a:solidFill>
